--- a/Game_page_layout.pptx
+++ b/Game_page_layout.pptx
@@ -107,6 +107,11 @@
       </a:defRPr>
     </a:lvl9pPr>
   </p:defaultTextStyle>
+  <p:extLst>
+    <p:ext uri="{EFAFB233-063F-42B5-8137-9DF3F51BA10A}">
+      <p15:sldGuideLst xmlns:p15="http://schemas.microsoft.com/office/powerpoint/2012/main"/>
+    </p:ext>
+  </p:extLst>
 </p:presentation>
 </file>
 
@@ -257,7 +262,7 @@
           <a:p>
             <a:fld id="{C007C3BB-D719-45BD-AFF1-012457A9EE45}" type="datetimeFigureOut">
               <a:rPr lang="en-US" smtClean="0"/>
-              <a:t>11/14/2024</a:t>
+              <a:t>11/15/2024</a:t>
             </a:fld>
             <a:endParaRPr lang="en-US"/>
           </a:p>
@@ -455,7 +460,7 @@
           <a:p>
             <a:fld id="{C007C3BB-D719-45BD-AFF1-012457A9EE45}" type="datetimeFigureOut">
               <a:rPr lang="en-US" smtClean="0"/>
-              <a:t>11/14/2024</a:t>
+              <a:t>11/15/2024</a:t>
             </a:fld>
             <a:endParaRPr lang="en-US"/>
           </a:p>
@@ -663,7 +668,7 @@
           <a:p>
             <a:fld id="{C007C3BB-D719-45BD-AFF1-012457A9EE45}" type="datetimeFigureOut">
               <a:rPr lang="en-US" smtClean="0"/>
-              <a:t>11/14/2024</a:t>
+              <a:t>11/15/2024</a:t>
             </a:fld>
             <a:endParaRPr lang="en-US"/>
           </a:p>
@@ -861,7 +866,7 @@
           <a:p>
             <a:fld id="{C007C3BB-D719-45BD-AFF1-012457A9EE45}" type="datetimeFigureOut">
               <a:rPr lang="en-US" smtClean="0"/>
-              <a:t>11/14/2024</a:t>
+              <a:t>11/15/2024</a:t>
             </a:fld>
             <a:endParaRPr lang="en-US"/>
           </a:p>
@@ -1136,7 +1141,7 @@
           <a:p>
             <a:fld id="{C007C3BB-D719-45BD-AFF1-012457A9EE45}" type="datetimeFigureOut">
               <a:rPr lang="en-US" smtClean="0"/>
-              <a:t>11/14/2024</a:t>
+              <a:t>11/15/2024</a:t>
             </a:fld>
             <a:endParaRPr lang="en-US"/>
           </a:p>
@@ -1401,7 +1406,7 @@
           <a:p>
             <a:fld id="{C007C3BB-D719-45BD-AFF1-012457A9EE45}" type="datetimeFigureOut">
               <a:rPr lang="en-US" smtClean="0"/>
-              <a:t>11/14/2024</a:t>
+              <a:t>11/15/2024</a:t>
             </a:fld>
             <a:endParaRPr lang="en-US"/>
           </a:p>
@@ -1813,7 +1818,7 @@
           <a:p>
             <a:fld id="{C007C3BB-D719-45BD-AFF1-012457A9EE45}" type="datetimeFigureOut">
               <a:rPr lang="en-US" smtClean="0"/>
-              <a:t>11/14/2024</a:t>
+              <a:t>11/15/2024</a:t>
             </a:fld>
             <a:endParaRPr lang="en-US"/>
           </a:p>
@@ -1954,7 +1959,7 @@
           <a:p>
             <a:fld id="{C007C3BB-D719-45BD-AFF1-012457A9EE45}" type="datetimeFigureOut">
               <a:rPr lang="en-US" smtClean="0"/>
-              <a:t>11/14/2024</a:t>
+              <a:t>11/15/2024</a:t>
             </a:fld>
             <a:endParaRPr lang="en-US"/>
           </a:p>
@@ -2067,7 +2072,7 @@
           <a:p>
             <a:fld id="{C007C3BB-D719-45BD-AFF1-012457A9EE45}" type="datetimeFigureOut">
               <a:rPr lang="en-US" smtClean="0"/>
-              <a:t>11/14/2024</a:t>
+              <a:t>11/15/2024</a:t>
             </a:fld>
             <a:endParaRPr lang="en-US"/>
           </a:p>
@@ -2378,7 +2383,7 @@
           <a:p>
             <a:fld id="{C007C3BB-D719-45BD-AFF1-012457A9EE45}" type="datetimeFigureOut">
               <a:rPr lang="en-US" smtClean="0"/>
-              <a:t>11/14/2024</a:t>
+              <a:t>11/15/2024</a:t>
             </a:fld>
             <a:endParaRPr lang="en-US"/>
           </a:p>
@@ -2666,7 +2671,7 @@
           <a:p>
             <a:fld id="{C007C3BB-D719-45BD-AFF1-012457A9EE45}" type="datetimeFigureOut">
               <a:rPr lang="en-US" smtClean="0"/>
-              <a:t>11/14/2024</a:t>
+              <a:t>11/15/2024</a:t>
             </a:fld>
             <a:endParaRPr lang="en-US"/>
           </a:p>
@@ -2907,7 +2912,7 @@
           <a:p>
             <a:fld id="{C007C3BB-D719-45BD-AFF1-012457A9EE45}" type="datetimeFigureOut">
               <a:rPr lang="en-US" smtClean="0"/>
-              <a:t>11/14/2024</a:t>
+              <a:t>11/15/2024</a:t>
             </a:fld>
             <a:endParaRPr lang="en-US"/>
           </a:p>
@@ -3938,6 +3943,66 @@
           </a:p>
         </p:txBody>
       </p:sp>
+      <p:pic>
+        <p:nvPicPr>
+          <p:cNvPr id="2" name="Picture 1"/>
+          <p:cNvPicPr>
+            <a:picLocks noChangeAspect="1"/>
+          </p:cNvPicPr>
+          <p:nvPr/>
+        </p:nvPicPr>
+        <p:blipFill>
+          <a:blip r:embed="rId2">
+            <a:extLst>
+              <a:ext uri="{28A0092B-C50C-407E-A947-70E740481C1C}">
+                <a14:useLocalDpi xmlns:a14="http://schemas.microsoft.com/office/drawing/2010/main" val="0"/>
+              </a:ext>
+            </a:extLst>
+          </a:blip>
+          <a:stretch>
+            <a:fillRect/>
+          </a:stretch>
+        </p:blipFill>
+        <p:spPr>
+          <a:xfrm>
+            <a:off x="827715" y="2013358"/>
+            <a:ext cx="5209563" cy="3473042"/>
+          </a:xfrm>
+          <a:prstGeom prst="rect">
+            <a:avLst/>
+          </a:prstGeom>
+        </p:spPr>
+      </p:pic>
+      <p:pic>
+        <p:nvPicPr>
+          <p:cNvPr id="3" name="Picture 2"/>
+          <p:cNvPicPr>
+            <a:picLocks noChangeAspect="1"/>
+          </p:cNvPicPr>
+          <p:nvPr/>
+        </p:nvPicPr>
+        <p:blipFill>
+          <a:blip r:embed="rId3">
+            <a:extLst>
+              <a:ext uri="{28A0092B-C50C-407E-A947-70E740481C1C}">
+                <a14:useLocalDpi xmlns:a14="http://schemas.microsoft.com/office/drawing/2010/main" val="0"/>
+              </a:ext>
+            </a:extLst>
+          </a:blip>
+          <a:stretch>
+            <a:fillRect/>
+          </a:stretch>
+        </p:blipFill>
+        <p:spPr>
+          <a:xfrm>
+            <a:off x="6344874" y="2013358"/>
+            <a:ext cx="5209563" cy="3473042"/>
+          </a:xfrm>
+          <a:prstGeom prst="rect">
+            <a:avLst/>
+          </a:prstGeom>
+        </p:spPr>
+      </p:pic>
     </p:spTree>
     <p:extLst>
       <p:ext uri="{BB962C8B-B14F-4D97-AF65-F5344CB8AC3E}">
@@ -4142,7 +4207,7 @@
         </p:blipFill>
         <p:spPr>
           <a:xfrm>
-            <a:off x="3693515" y="1066287"/>
+            <a:off x="3568080" y="1066287"/>
             <a:ext cx="2133600" cy="2133600"/>
           </a:xfrm>
           <a:prstGeom prst="rect">
